--- a/ppt/block/template.pptx
+++ b/ppt/block/template.pptx
@@ -2288,7 +2288,7 @@
           <a:p>
             <a:fld id="{163E09B4-AE39-4D56-9A93-CC9DBA0ECE50}" type="datetimeFigureOut">
               <a:rPr lang="zh-CN" altLang="en-US" smtClean="0"/>
-              <a:t>2024/1/6 Sat</a:t>
+              <a:t>2024/6/8 Sat</a:t>
             </a:fld>
             <a:endParaRPr lang="zh-CN" altLang="en-US"/>
           </a:p>
@@ -2398,8 +2398,8 @@
         </p:nvSpPr>
         <p:spPr>
           <a:xfrm>
-            <a:off x="2500303" y="5955479"/>
-            <a:ext cx="7191392" cy="461665"/>
+            <a:off x="2642970" y="5955479"/>
+            <a:ext cx="6906058" cy="461665"/>
           </a:xfrm>
           <a:prstGeom prst="rect">
             <a:avLst/>
@@ -2447,7 +2447,7 @@
                 <a:latin typeface="思源宋体 Heavy" panose="02020900000000000000" pitchFamily="18" charset="-122"/>
                 <a:ea typeface="思源宋体 Heavy" panose="02020900000000000000" pitchFamily="18" charset="-122"/>
               </a:rPr>
-              <a:t>2023</a:t>
+              <a:t>2024</a:t>
             </a:r>
             <a:r>
               <a:rPr lang="zh-CN" altLang="en-US" sz="2400" dirty="0">
@@ -2471,7 +2471,7 @@
                 <a:latin typeface="思源宋体 Heavy" panose="02020900000000000000" pitchFamily="18" charset="-122"/>
                 <a:ea typeface="思源宋体 Heavy" panose="02020900000000000000" pitchFamily="18" charset="-122"/>
               </a:rPr>
-              <a:t>12</a:t>
+              <a:t>6</a:t>
             </a:r>
             <a:r>
               <a:rPr lang="zh-CN" altLang="en-US" sz="2400" dirty="0">
@@ -2495,7 +2495,7 @@
                 <a:latin typeface="思源宋体 Heavy" panose="02020900000000000000" pitchFamily="18" charset="-122"/>
                 <a:ea typeface="思源宋体 Heavy" panose="02020900000000000000" pitchFamily="18" charset="-122"/>
               </a:rPr>
-              <a:t>31</a:t>
+              <a:t>8</a:t>
             </a:r>
             <a:r>
               <a:rPr lang="zh-CN" altLang="en-US" sz="2400" dirty="0">
